--- a/ChessMaharProj/ChessMaharaji.pptx
+++ b/ChessMaharProj/ChessMaharaji.pptx
@@ -13,6 +13,7 @@
     <p:sldId id="261" r:id="rId7"/>
     <p:sldId id="262" r:id="rId8"/>
     <p:sldId id="263" r:id="rId9"/>
+    <p:sldId id="264" r:id="rId10"/>
   </p:sldIdLst>
   <p:sldSz cx="12192000" cy="6858000"/>
   <p:notesSz cx="6858000" cy="9144000"/>
@@ -123,14 +124,112 @@
 <p1510:revInfo xmlns:a="http://schemas.openxmlformats.org/drawingml/2006/main" xmlns:r="http://schemas.openxmlformats.org/officeDocument/2006/relationships" xmlns:p1510="http://schemas.microsoft.com/office/powerpoint/2015/10/main">
   <p1510:revLst>
     <p1510:client id="{03F61039-88C3-44FC-B2FE-CA8C25B2AF33}" v="85" dt="2024-05-19T15:43:53.983"/>
+    <p1510:client id="{5913274F-73D1-49AE-BAD0-4DB2B09A2F92}" v="11" dt="2024-05-19T17:32:18.611"/>
+    <p1510:client id="{68C5DE1C-46F4-4DA8-A5AF-5731077C18ED}" v="20" dt="2024-05-19T17:31:37.354"/>
     <p1510:client id="{9B3EB403-FCEF-4998-971C-7900E15243D1}" v="686" dt="2024-05-19T15:24:34.435"/>
     <p1510:client id="{E15C9DEB-E275-455D-8BCD-A8FB8EFAD76A}" v="11" dt="2024-05-19T15:47:31.195"/>
+    <p1510:client id="{F959552C-7E19-47E9-ACE5-39E286CB3F9E}" v="29" dt="2024-05-19T17:20:47.382"/>
   </p1510:revLst>
 </p1510:revInfo>
 </file>
 
 <file path=ppt/changesInfos/changesInfo1.xml><?xml version="1.0" encoding="utf-8"?>
 <pc:chgInfo xmlns:a="http://schemas.openxmlformats.org/drawingml/2006/main" xmlns:r="http://schemas.openxmlformats.org/officeDocument/2006/relationships" xmlns:ac="http://schemas.microsoft.com/office/drawing/2013/main/command" xmlns:pc="http://schemas.microsoft.com/office/powerpoint/2013/main/command">
+  <pc:docChgLst>
+    <pc:chgData name="Конопляник Артём Вячеславович" userId="S::st117178@student.spbu.ru::71470f39-7c84-4ce8-94ad-316a7b129794" providerId="AD" clId="Web-{68C5DE1C-46F4-4DA8-A5AF-5731077C18ED}"/>
+    <pc:docChg chg="addSld modSld">
+      <pc:chgData name="Конопляник Артём Вячеславович" userId="S::st117178@student.spbu.ru::71470f39-7c84-4ce8-94ad-316a7b129794" providerId="AD" clId="Web-{68C5DE1C-46F4-4DA8-A5AF-5731077C18ED}" dt="2024-05-19T17:31:37.354" v="17"/>
+      <pc:docMkLst>
+        <pc:docMk/>
+      </pc:docMkLst>
+      <pc:sldChg chg="addSp delSp modSp">
+        <pc:chgData name="Конопляник Артём Вячеславович" userId="S::st117178@student.spbu.ru::71470f39-7c84-4ce8-94ad-316a7b129794" providerId="AD" clId="Web-{68C5DE1C-46F4-4DA8-A5AF-5731077C18ED}" dt="2024-05-19T17:30:46.322" v="7" actId="1076"/>
+        <pc:sldMkLst>
+          <pc:docMk/>
+          <pc:sldMk cId="3798763402" sldId="263"/>
+        </pc:sldMkLst>
+        <pc:picChg chg="add mod">
+          <ac:chgData name="Конопляник Артём Вячеславович" userId="S::st117178@student.spbu.ru::71470f39-7c84-4ce8-94ad-316a7b129794" providerId="AD" clId="Web-{68C5DE1C-46F4-4DA8-A5AF-5731077C18ED}" dt="2024-05-19T17:30:12.321" v="3" actId="14100"/>
+          <ac:picMkLst>
+            <pc:docMk/>
+            <pc:sldMk cId="3798763402" sldId="263"/>
+            <ac:picMk id="2" creationId="{99895F32-81D8-3CAD-CC6A-9F93CE50E8B9}"/>
+          </ac:picMkLst>
+        </pc:picChg>
+        <pc:picChg chg="del">
+          <ac:chgData name="Конопляник Артём Вячеславович" userId="S::st117178@student.spbu.ru::71470f39-7c84-4ce8-94ad-316a7b129794" providerId="AD" clId="Web-{68C5DE1C-46F4-4DA8-A5AF-5731077C18ED}" dt="2024-05-19T17:30:02.601" v="0"/>
+          <ac:picMkLst>
+            <pc:docMk/>
+            <pc:sldMk cId="3798763402" sldId="263"/>
+            <ac:picMk id="3" creationId="{607FD848-D8D5-52B3-E91A-45494849560B}"/>
+          </ac:picMkLst>
+        </pc:picChg>
+        <pc:picChg chg="add mod">
+          <ac:chgData name="Конопляник Артём Вячеславович" userId="S::st117178@student.spbu.ru::71470f39-7c84-4ce8-94ad-316a7b129794" providerId="AD" clId="Web-{68C5DE1C-46F4-4DA8-A5AF-5731077C18ED}" dt="2024-05-19T17:30:46.322" v="7" actId="1076"/>
+          <ac:picMkLst>
+            <pc:docMk/>
+            <pc:sldMk cId="3798763402" sldId="263"/>
+            <ac:picMk id="4" creationId="{68EDC851-BDC0-4C32-D771-36DD862AFC2B}"/>
+          </ac:picMkLst>
+        </pc:picChg>
+        <pc:picChg chg="del">
+          <ac:chgData name="Конопляник Артём Вячеславович" userId="S::st117178@student.spbu.ru::71470f39-7c84-4ce8-94ad-316a7b129794" providerId="AD" clId="Web-{68C5DE1C-46F4-4DA8-A5AF-5731077C18ED}" dt="2024-05-19T17:30:14.367" v="4"/>
+          <ac:picMkLst>
+            <pc:docMk/>
+            <pc:sldMk cId="3798763402" sldId="263"/>
+            <ac:picMk id="14" creationId="{64094893-3DA8-50B6-75EE-58222718BB6A}"/>
+          </ac:picMkLst>
+        </pc:picChg>
+      </pc:sldChg>
+      <pc:sldChg chg="addSp delSp modSp new">
+        <pc:chgData name="Конопляник Артём Вячеславович" userId="S::st117178@student.spbu.ru::71470f39-7c84-4ce8-94ad-316a7b129794" providerId="AD" clId="Web-{68C5DE1C-46F4-4DA8-A5AF-5731077C18ED}" dt="2024-05-19T17:31:37.354" v="17"/>
+        <pc:sldMkLst>
+          <pc:docMk/>
+          <pc:sldMk cId="3380644133" sldId="264"/>
+        </pc:sldMkLst>
+        <pc:spChg chg="del">
+          <ac:chgData name="Конопляник Артём Вячеславович" userId="S::st117178@student.spbu.ru::71470f39-7c84-4ce8-94ad-316a7b129794" providerId="AD" clId="Web-{68C5DE1C-46F4-4DA8-A5AF-5731077C18ED}" dt="2024-05-19T17:31:37.354" v="17"/>
+          <ac:spMkLst>
+            <pc:docMk/>
+            <pc:sldMk cId="3380644133" sldId="264"/>
+            <ac:spMk id="2" creationId="{47E17DD9-C145-817B-9A10-128C05693EAC}"/>
+          </ac:spMkLst>
+        </pc:spChg>
+        <pc:spChg chg="del">
+          <ac:chgData name="Конопляник Артём Вячеславович" userId="S::st117178@student.spbu.ru::71470f39-7c84-4ce8-94ad-316a7b129794" providerId="AD" clId="Web-{68C5DE1C-46F4-4DA8-A5AF-5731077C18ED}" dt="2024-05-19T17:31:08.416" v="9"/>
+          <ac:spMkLst>
+            <pc:docMk/>
+            <pc:sldMk cId="3380644133" sldId="264"/>
+            <ac:spMk id="3" creationId="{A1310D88-AB4F-F7B2-62F9-6A0B1C62CA07}"/>
+          </ac:spMkLst>
+        </pc:spChg>
+        <pc:spChg chg="add del mod">
+          <ac:chgData name="Конопляник Артём Вячеславович" userId="S::st117178@student.spbu.ru::71470f39-7c84-4ce8-94ad-316a7b129794" providerId="AD" clId="Web-{68C5DE1C-46F4-4DA8-A5AF-5731077C18ED}" dt="2024-05-19T17:31:30.151" v="12"/>
+          <ac:spMkLst>
+            <pc:docMk/>
+            <pc:sldMk cId="3380644133" sldId="264"/>
+            <ac:spMk id="6" creationId="{D5D5495B-0F1D-1F68-AEAD-C1A23249FD6B}"/>
+          </ac:spMkLst>
+        </pc:spChg>
+        <pc:picChg chg="add del mod ord">
+          <ac:chgData name="Конопляник Артём Вячеславович" userId="S::st117178@student.spbu.ru::71470f39-7c84-4ce8-94ad-316a7b129794" providerId="AD" clId="Web-{68C5DE1C-46F4-4DA8-A5AF-5731077C18ED}" dt="2024-05-19T17:31:13.666" v="11"/>
+          <ac:picMkLst>
+            <pc:docMk/>
+            <pc:sldMk cId="3380644133" sldId="264"/>
+            <ac:picMk id="4" creationId="{E5CEF522-4F00-F717-5214-4F2DB67612DA}"/>
+          </ac:picMkLst>
+        </pc:picChg>
+        <pc:picChg chg="add mod ord">
+          <ac:chgData name="Конопляник Артём Вячеславович" userId="S::st117178@student.spbu.ru::71470f39-7c84-4ce8-94ad-316a7b129794" providerId="AD" clId="Web-{68C5DE1C-46F4-4DA8-A5AF-5731077C18ED}" dt="2024-05-19T17:31:35.995" v="16" actId="1076"/>
+          <ac:picMkLst>
+            <pc:docMk/>
+            <pc:sldMk cId="3380644133" sldId="264"/>
+            <ac:picMk id="7" creationId="{4E0C4497-5D64-4F86-604F-465D603C50E5}"/>
+          </ac:picMkLst>
+        </pc:picChg>
+      </pc:sldChg>
+    </pc:docChg>
+  </pc:docChgLst>
   <pc:docChgLst>
     <pc:chgData name="Конопляник Артём Вячеславович" userId="S::st117178@student.spbu.ru::71470f39-7c84-4ce8-94ad-316a7b129794" providerId="AD" clId="Web-{03F61039-88C3-44FC-B2FE-CA8C25B2AF33}"/>
     <pc:docChg chg="addSld modSld">
@@ -420,6 +519,132 @@
             <pc:docMk/>
             <pc:sldMk cId="3798763402" sldId="263"/>
             <ac:picMk id="14" creationId="{64094893-3DA8-50B6-75EE-58222718BB6A}"/>
+          </ac:picMkLst>
+        </pc:picChg>
+      </pc:sldChg>
+    </pc:docChg>
+  </pc:docChgLst>
+  <pc:docChgLst>
+    <pc:chgData name="Конопляник Артём Вячеславович" userId="S::st117178@student.spbu.ru::71470f39-7c84-4ce8-94ad-316a7b129794" providerId="AD" clId="Web-{F959552C-7E19-47E9-ACE5-39E286CB3F9E}"/>
+    <pc:docChg chg="modSld">
+      <pc:chgData name="Конопляник Артём Вячеславович" userId="S::st117178@student.spbu.ru::71470f39-7c84-4ce8-94ad-316a7b129794" providerId="AD" clId="Web-{F959552C-7E19-47E9-ACE5-39E286CB3F9E}" dt="2024-05-19T17:20:47.382" v="27" actId="1076"/>
+      <pc:docMkLst>
+        <pc:docMk/>
+      </pc:docMkLst>
+      <pc:sldChg chg="modSp">
+        <pc:chgData name="Конопляник Артём Вячеславович" userId="S::st117178@student.spbu.ru::71470f39-7c84-4ce8-94ad-316a7b129794" providerId="AD" clId="Web-{F959552C-7E19-47E9-ACE5-39E286CB3F9E}" dt="2024-05-19T17:04:55.117" v="5" actId="20577"/>
+        <pc:sldMkLst>
+          <pc:docMk/>
+          <pc:sldMk cId="4451622" sldId="257"/>
+        </pc:sldMkLst>
+        <pc:spChg chg="mod">
+          <ac:chgData name="Конопляник Артём Вячеславович" userId="S::st117178@student.spbu.ru::71470f39-7c84-4ce8-94ad-316a7b129794" providerId="AD" clId="Web-{F959552C-7E19-47E9-ACE5-39E286CB3F9E}" dt="2024-05-19T17:04:55.117" v="5" actId="20577"/>
+          <ac:spMkLst>
+            <pc:docMk/>
+            <pc:sldMk cId="4451622" sldId="257"/>
+            <ac:spMk id="27" creationId="{5E812598-8FD2-FC82-13D8-F8E560D0DFC8}"/>
+          </ac:spMkLst>
+        </pc:spChg>
+      </pc:sldChg>
+      <pc:sldChg chg="modSp">
+        <pc:chgData name="Конопляник Артём Вячеславович" userId="S::st117178@student.spbu.ru::71470f39-7c84-4ce8-94ad-316a7b129794" providerId="AD" clId="Web-{F959552C-7E19-47E9-ACE5-39E286CB3F9E}" dt="2024-05-19T17:11:46.083" v="11" actId="20577"/>
+        <pc:sldMkLst>
+          <pc:docMk/>
+          <pc:sldMk cId="694358930" sldId="258"/>
+        </pc:sldMkLst>
+        <pc:spChg chg="mod">
+          <ac:chgData name="Конопляник Артём Вячеславович" userId="S::st117178@student.spbu.ru::71470f39-7c84-4ce8-94ad-316a7b129794" providerId="AD" clId="Web-{F959552C-7E19-47E9-ACE5-39E286CB3F9E}" dt="2024-05-19T17:11:46.083" v="11" actId="20577"/>
+          <ac:spMkLst>
+            <pc:docMk/>
+            <pc:sldMk cId="694358930" sldId="258"/>
+            <ac:spMk id="3" creationId="{DEBD504E-9166-93CA-4212-4468ACA0EC18}"/>
+          </ac:spMkLst>
+        </pc:spChg>
+      </pc:sldChg>
+      <pc:sldChg chg="addSp delSp modSp">
+        <pc:chgData name="Конопляник Артём Вячеславович" userId="S::st117178@student.spbu.ru::71470f39-7c84-4ce8-94ad-316a7b129794" providerId="AD" clId="Web-{F959552C-7E19-47E9-ACE5-39E286CB3F9E}" dt="2024-05-19T17:20:47.382" v="27" actId="1076"/>
+        <pc:sldMkLst>
+          <pc:docMk/>
+          <pc:sldMk cId="1071495442" sldId="260"/>
+        </pc:sldMkLst>
+        <pc:spChg chg="mod">
+          <ac:chgData name="Конопляник Артём Вячеславович" userId="S::st117178@student.spbu.ru::71470f39-7c84-4ce8-94ad-316a7b129794" providerId="AD" clId="Web-{F959552C-7E19-47E9-ACE5-39E286CB3F9E}" dt="2024-05-19T17:20:21.834" v="18"/>
+          <ac:spMkLst>
+            <pc:docMk/>
+            <pc:sldMk cId="1071495442" sldId="260"/>
+            <ac:spMk id="2" creationId="{F201FBD3-FFC0-EB00-CA4F-E2DA5030025E}"/>
+          </ac:spMkLst>
+        </pc:spChg>
+        <pc:spChg chg="del">
+          <ac:chgData name="Конопляник Артём Вячеславович" userId="S::st117178@student.spbu.ru::71470f39-7c84-4ce8-94ad-316a7b129794" providerId="AD" clId="Web-{F959552C-7E19-47E9-ACE5-39E286CB3F9E}" dt="2024-05-19T17:20:21.834" v="18"/>
+          <ac:spMkLst>
+            <pc:docMk/>
+            <pc:sldMk cId="1071495442" sldId="260"/>
+            <ac:spMk id="19" creationId="{DA381740-063A-41A4-836D-85D14980EEF0}"/>
+          </ac:spMkLst>
+        </pc:spChg>
+        <pc:spChg chg="del">
+          <ac:chgData name="Конопляник Артём Вячеславович" userId="S::st117178@student.spbu.ru::71470f39-7c84-4ce8-94ad-316a7b129794" providerId="AD" clId="Web-{F959552C-7E19-47E9-ACE5-39E286CB3F9E}" dt="2024-05-19T17:20:21.834" v="18"/>
+          <ac:spMkLst>
+            <pc:docMk/>
+            <pc:sldMk cId="1071495442" sldId="260"/>
+            <ac:spMk id="21" creationId="{F0087D53-9295-4463-AAE4-D5C626046E9F}"/>
+          </ac:spMkLst>
+        </pc:spChg>
+        <pc:spChg chg="del">
+          <ac:chgData name="Конопляник Артём Вячеславович" userId="S::st117178@student.spbu.ru::71470f39-7c84-4ce8-94ad-316a7b129794" providerId="AD" clId="Web-{F959552C-7E19-47E9-ACE5-39E286CB3F9E}" dt="2024-05-19T17:20:21.834" v="18"/>
+          <ac:spMkLst>
+            <pc:docMk/>
+            <pc:sldMk cId="1071495442" sldId="260"/>
+            <ac:spMk id="23" creationId="{D6A9C53F-5F90-40A5-8C85-5412D39C8C68}"/>
+          </ac:spMkLst>
+        </pc:spChg>
+        <pc:spChg chg="add">
+          <ac:chgData name="Конопляник Артём Вячеславович" userId="S::st117178@student.spbu.ru::71470f39-7c84-4ce8-94ad-316a7b129794" providerId="AD" clId="Web-{F959552C-7E19-47E9-ACE5-39E286CB3F9E}" dt="2024-05-19T17:20:21.834" v="18"/>
+          <ac:spMkLst>
+            <pc:docMk/>
+            <pc:sldMk cId="1071495442" sldId="260"/>
+            <ac:spMk id="28" creationId="{DA381740-063A-41A4-836D-85D14980EEF0}"/>
+          </ac:spMkLst>
+        </pc:spChg>
+        <pc:spChg chg="add">
+          <ac:chgData name="Конопляник Артём Вячеславович" userId="S::st117178@student.spbu.ru::71470f39-7c84-4ce8-94ad-316a7b129794" providerId="AD" clId="Web-{F959552C-7E19-47E9-ACE5-39E286CB3F9E}" dt="2024-05-19T17:20:21.834" v="18"/>
+          <ac:spMkLst>
+            <pc:docMk/>
+            <pc:sldMk cId="1071495442" sldId="260"/>
+            <ac:spMk id="30" creationId="{7C98A213-5994-475E-B327-DC6EC27FBA8B}"/>
+          </ac:spMkLst>
+        </pc:spChg>
+        <pc:spChg chg="add">
+          <ac:chgData name="Конопляник Артём Вячеславович" userId="S::st117178@student.spbu.ru::71470f39-7c84-4ce8-94ad-316a7b129794" providerId="AD" clId="Web-{F959552C-7E19-47E9-ACE5-39E286CB3F9E}" dt="2024-05-19T17:20:21.834" v="18"/>
+          <ac:spMkLst>
+            <pc:docMk/>
+            <pc:sldMk cId="1071495442" sldId="260"/>
+            <ac:spMk id="32" creationId="{147C7031-1E3A-4EF7-A823-89F74BA673E4}"/>
+          </ac:spMkLst>
+        </pc:spChg>
+        <pc:picChg chg="add mod ord">
+          <ac:chgData name="Конопляник Артём Вячеславович" userId="S::st117178@student.spbu.ru::71470f39-7c84-4ce8-94ad-316a7b129794" providerId="AD" clId="Web-{F959552C-7E19-47E9-ACE5-39E286CB3F9E}" dt="2024-05-19T17:20:32.475" v="20" actId="1076"/>
+          <ac:picMkLst>
+            <pc:docMk/>
+            <pc:sldMk cId="1071495442" sldId="260"/>
+            <ac:picMk id="3" creationId="{0A91F49A-026D-5D87-3B0B-29F3E20ADF34}"/>
+          </ac:picMkLst>
+        </pc:picChg>
+        <pc:picChg chg="mod">
+          <ac:chgData name="Конопляник Артём Вячеславович" userId="S::st117178@student.spbu.ru::71470f39-7c84-4ce8-94ad-316a7b129794" providerId="AD" clId="Web-{F959552C-7E19-47E9-ACE5-39E286CB3F9E}" dt="2024-05-19T17:20:47.382" v="27" actId="1076"/>
+          <ac:picMkLst>
+            <pc:docMk/>
+            <pc:sldMk cId="1071495442" sldId="260"/>
+            <ac:picMk id="5" creationId="{CB4EC174-6BD3-ED82-8E6E-63F8B54B8743}"/>
+          </ac:picMkLst>
+        </pc:picChg>
+        <pc:picChg chg="mod">
+          <ac:chgData name="Конопляник Артём Вячеславович" userId="S::st117178@student.spbu.ru::71470f39-7c84-4ce8-94ad-316a7b129794" providerId="AD" clId="Web-{F959552C-7E19-47E9-ACE5-39E286CB3F9E}" dt="2024-05-19T17:20:45.632" v="26" actId="1076"/>
+          <ac:picMkLst>
+            <pc:docMk/>
+            <pc:sldMk cId="1071495442" sldId="260"/>
+            <ac:picMk id="8" creationId="{9E86CBD0-EE70-3212-41AD-C868FFC8FEA2}"/>
           </ac:picMkLst>
         </pc:picChg>
       </pc:sldChg>
@@ -1151,6 +1376,46 @@
       </pc:sldMasterChg>
     </pc:docChg>
   </pc:docChgLst>
+  <pc:docChgLst>
+    <pc:chgData name="Конопляник Артём Вячеславович" userId="S::st117178@student.spbu.ru::71470f39-7c84-4ce8-94ad-316a7b129794" providerId="AD" clId="Web-{5913274F-73D1-49AE-BAD0-4DB2B09A2F92}"/>
+    <pc:docChg chg="modSld">
+      <pc:chgData name="Конопляник Артём Вячеславович" userId="S::st117178@student.spbu.ru::71470f39-7c84-4ce8-94ad-316a7b129794" providerId="AD" clId="Web-{5913274F-73D1-49AE-BAD0-4DB2B09A2F92}" dt="2024-05-19T17:32:18.611" v="8" actId="1076"/>
+      <pc:docMkLst>
+        <pc:docMk/>
+      </pc:docMkLst>
+      <pc:sldChg chg="addSp delSp modSp">
+        <pc:chgData name="Конопляник Артём Вячеславович" userId="S::st117178@student.spbu.ru::71470f39-7c84-4ce8-94ad-316a7b129794" providerId="AD" clId="Web-{5913274F-73D1-49AE-BAD0-4DB2B09A2F92}" dt="2024-05-19T17:32:18.611" v="8" actId="1076"/>
+        <pc:sldMkLst>
+          <pc:docMk/>
+          <pc:sldMk cId="3380644133" sldId="264"/>
+        </pc:sldMkLst>
+        <pc:picChg chg="add del mod">
+          <ac:chgData name="Конопляник Артём Вячеславович" userId="S::st117178@student.spbu.ru::71470f39-7c84-4ce8-94ad-316a7b129794" providerId="AD" clId="Web-{5913274F-73D1-49AE-BAD0-4DB2B09A2F92}" dt="2024-05-19T17:32:05.876" v="1"/>
+          <ac:picMkLst>
+            <pc:docMk/>
+            <pc:sldMk cId="3380644133" sldId="264"/>
+            <ac:picMk id="2" creationId="{AB2040F6-5421-BC2E-0F9A-C8819E37DE2A}"/>
+          </ac:picMkLst>
+        </pc:picChg>
+        <pc:picChg chg="add mod">
+          <ac:chgData name="Конопляник Артём Вячеславович" userId="S::st117178@student.spbu.ru::71470f39-7c84-4ce8-94ad-316a7b129794" providerId="AD" clId="Web-{5913274F-73D1-49AE-BAD0-4DB2B09A2F92}" dt="2024-05-19T17:32:18.611" v="8" actId="1076"/>
+          <ac:picMkLst>
+            <pc:docMk/>
+            <pc:sldMk cId="3380644133" sldId="264"/>
+            <ac:picMk id="3" creationId="{A6418491-B5E9-EF92-CE03-6EC1860BE519}"/>
+          </ac:picMkLst>
+        </pc:picChg>
+        <pc:picChg chg="mod">
+          <ac:chgData name="Конопляник Артём Вячеславович" userId="S::st117178@student.spbu.ru::71470f39-7c84-4ce8-94ad-316a7b129794" providerId="AD" clId="Web-{5913274F-73D1-49AE-BAD0-4DB2B09A2F92}" dt="2024-05-19T17:32:17.204" v="7" actId="1076"/>
+          <ac:picMkLst>
+            <pc:docMk/>
+            <pc:sldMk cId="3380644133" sldId="264"/>
+            <ac:picMk id="7" creationId="{4E0C4497-5D64-4F86-604F-465D603C50E5}"/>
+          </ac:picMkLst>
+        </pc:picChg>
+      </pc:sldChg>
+    </pc:docChg>
+  </pc:docChgLst>
 </pc:chgInfo>
 </file>
 
@@ -9898,7 +10163,7 @@
                 <a:ea typeface="Calibri"/>
                 <a:cs typeface="Calibri"/>
               </a:rPr>
-              <a:t> </a:t>
+              <a:t> </a:t>
             </a:r>
             <a:r>
               <a:rPr lang="en-US" sz="1600" dirty="0" err="1">
@@ -9906,7 +10171,7 @@
                 <a:ea typeface="Calibri"/>
                 <a:cs typeface="Calibri"/>
               </a:rPr>
-              <a:t>слон</a:t>
+              <a:t>конь</a:t>
             </a:r>
             <a:r>
               <a:rPr lang="en-US" sz="1600" dirty="0">
@@ -10528,7 +10793,7 @@
           <a:p>
             <a:r>
               <a:rPr lang="ru-RU" dirty="0"/>
-              <a:t>Сделать оформление</a:t>
+              <a:t>Сделать интерфейс</a:t>
             </a:r>
           </a:p>
           <a:p>
@@ -11235,7 +11500,7 @@
       </p:grpSpPr>
       <p:sp>
         <p:nvSpPr>
-          <p:cNvPr id="19" name="Rectangle 18">
+          <p:cNvPr id="28" name="Rectangle 27">
             <a:extLst>
               <a:ext uri="{FF2B5EF4-FFF2-40B4-BE49-F238E27FC236}">
                 <a16:creationId xmlns:a16="http://schemas.microsoft.com/office/drawing/2014/main" id="{DA381740-063A-41A4-836D-85D14980EEF0}"/>
@@ -11582,10 +11847,10 @@
       </p:sp>
       <p:sp useBgFill="1">
         <p:nvSpPr>
-          <p:cNvPr id="21" name="Rectangle 20">
+          <p:cNvPr id="30" name="Rectangle 29">
             <a:extLst>
               <a:ext uri="{FF2B5EF4-FFF2-40B4-BE49-F238E27FC236}">
-                <a16:creationId xmlns:a16="http://schemas.microsoft.com/office/drawing/2014/main" id="{F0087D53-9295-4463-AAE4-D5C626046E9F}"/>
+                <a16:creationId xmlns:a16="http://schemas.microsoft.com/office/drawing/2014/main" id="{7C98A213-5994-475E-B327-DC6EC27FBA8B}"/>
               </a:ext>
               <a:ext uri="{C183D7F6-B498-43B3-948B-1728B52AA6E4}">
                 <adec:decorative xmlns:adec="http://schemas.microsoft.com/office/drawing/2017/decorative" val="1"/>
@@ -11658,7 +11923,7 @@
         </p:nvSpPr>
         <p:spPr>
           <a:xfrm>
-            <a:off x="638881" y="4501453"/>
+            <a:off x="638881" y="670218"/>
             <a:ext cx="10909640" cy="1065836"/>
           </a:xfrm>
         </p:spPr>
@@ -11676,74 +11941,12 @@
           </a:p>
         </p:txBody>
       </p:sp>
-      <p:pic>
-        <p:nvPicPr>
-          <p:cNvPr id="5" name="Рисунок 4" descr="Изображение выглядит как текст, снимок экрана, программное обеспечение, Мультимедийное программное обеспечение&#10;&#10;Автоматически созданное описание">
+      <p:sp>
+        <p:nvSpPr>
+          <p:cNvPr id="32" name="Rectangle 6">
             <a:extLst>
               <a:ext uri="{FF2B5EF4-FFF2-40B4-BE49-F238E27FC236}">
-                <a16:creationId xmlns:a16="http://schemas.microsoft.com/office/drawing/2014/main" id="{CB4EC174-6BD3-ED82-8E6E-63F8B54B8743}"/>
-              </a:ext>
-            </a:extLst>
-          </p:cNvPr>
-          <p:cNvPicPr>
-            <a:picLocks noChangeAspect="1"/>
-          </p:cNvPicPr>
-          <p:nvPr/>
-        </p:nvPicPr>
-        <p:blipFill>
-          <a:blip r:embed="rId2"/>
-          <a:stretch>
-            <a:fillRect/>
-          </a:stretch>
-        </p:blipFill>
-        <p:spPr>
-          <a:xfrm>
-            <a:off x="754850" y="320040"/>
-            <a:ext cx="4744795" cy="3895344"/>
-          </a:xfrm>
-          <a:prstGeom prst="rect">
-            <a:avLst/>
-          </a:prstGeom>
-        </p:spPr>
-      </p:pic>
-      <p:pic>
-        <p:nvPicPr>
-          <p:cNvPr id="8" name="Объект 7" descr="Изображение выглядит как текст, снимок экрана, программное обеспечение, Шрифт&#10;&#10;Автоматически созданное описание">
-            <a:extLst>
-              <a:ext uri="{FF2B5EF4-FFF2-40B4-BE49-F238E27FC236}">
-                <a16:creationId xmlns:a16="http://schemas.microsoft.com/office/drawing/2014/main" id="{9E86CBD0-EE70-3212-41AD-C868FFC8FEA2}"/>
-              </a:ext>
-            </a:extLst>
-          </p:cNvPr>
-          <p:cNvPicPr>
-            <a:picLocks noGrp="1" noChangeAspect="1"/>
-          </p:cNvPicPr>
-          <p:nvPr>
-            <p:ph idx="1"/>
-          </p:nvPr>
-        </p:nvPicPr>
-        <p:blipFill>
-          <a:blip r:embed="rId3"/>
-          <a:stretch>
-            <a:fillRect/>
-          </a:stretch>
-        </p:blipFill>
-        <p:spPr>
-          <a:xfrm>
-            <a:off x="6254496" y="765855"/>
-            <a:ext cx="5614416" cy="3003713"/>
-          </a:xfrm>
-          <a:prstGeom prst="rect">
-            <a:avLst/>
-          </a:prstGeom>
-        </p:spPr>
-      </p:pic>
-      <p:sp>
-        <p:nvSpPr>
-          <p:cNvPr id="23" name="Rectangle 6">
-            <a:extLst>
-              <a:ext uri="{FF2B5EF4-FFF2-40B4-BE49-F238E27FC236}">
-                <a16:creationId xmlns:a16="http://schemas.microsoft.com/office/drawing/2014/main" id="{D6A9C53F-5F90-40A5-8C85-5412D39C8C68}"/>
+                <a16:creationId xmlns:a16="http://schemas.microsoft.com/office/drawing/2014/main" id="{147C7031-1E3A-4EF7-A823-89F74BA673E4}"/>
               </a:ext>
               <a:ext uri="{C183D7F6-B498-43B3-948B-1728B52AA6E4}">
                 <adec:decorative xmlns:adec="http://schemas.microsoft.com/office/drawing/2017/decorative" val="1"/>
@@ -11763,36 +11966,46 @@
         </p:nvSpPr>
         <p:spPr>
           <a:xfrm>
-            <a:off x="4450080" y="5594358"/>
-            <a:ext cx="3291840" cy="27432"/>
+            <a:off x="3810000" y="1776977"/>
+            <a:ext cx="4572000" cy="27432"/>
           </a:xfrm>
           <a:custGeom>
             <a:avLst/>
             <a:gdLst>
-              <a:gd name="connsiteX0" fmla="*/ 0 w 3291840"/>
+              <a:gd name="connsiteX0" fmla="*/ 0 w 4572000"/>
               <a:gd name="connsiteY0" fmla="*/ 0 h 27432"/>
-              <a:gd name="connsiteX1" fmla="*/ 625450 w 3291840"/>
+              <a:gd name="connsiteX1" fmla="*/ 607423 w 4572000"/>
               <a:gd name="connsiteY1" fmla="*/ 0 h 27432"/>
-              <a:gd name="connsiteX2" fmla="*/ 1283818 w 3291840"/>
+              <a:gd name="connsiteX2" fmla="*/ 1123406 w 4572000"/>
               <a:gd name="connsiteY2" fmla="*/ 0 h 27432"/>
-              <a:gd name="connsiteX3" fmla="*/ 1975104 w 3291840"/>
+              <a:gd name="connsiteX3" fmla="*/ 1685109 w 4572000"/>
               <a:gd name="connsiteY3" fmla="*/ 0 h 27432"/>
-              <a:gd name="connsiteX4" fmla="*/ 2666390 w 3291840"/>
+              <a:gd name="connsiteX4" fmla="*/ 2383971 w 4572000"/>
               <a:gd name="connsiteY4" fmla="*/ 0 h 27432"/>
-              <a:gd name="connsiteX5" fmla="*/ 3291840 w 3291840"/>
+              <a:gd name="connsiteX5" fmla="*/ 2991394 w 4572000"/>
               <a:gd name="connsiteY5" fmla="*/ 0 h 27432"/>
-              <a:gd name="connsiteX6" fmla="*/ 3291840 w 3291840"/>
-              <a:gd name="connsiteY6" fmla="*/ 27432 h 27432"/>
-              <a:gd name="connsiteX7" fmla="*/ 2567635 w 3291840"/>
-              <a:gd name="connsiteY7" fmla="*/ 27432 h 27432"/>
-              <a:gd name="connsiteX8" fmla="*/ 1843430 w 3291840"/>
+              <a:gd name="connsiteX6" fmla="*/ 3553097 w 4572000"/>
+              <a:gd name="connsiteY6" fmla="*/ 0 h 27432"/>
+              <a:gd name="connsiteX7" fmla="*/ 4572000 w 4572000"/>
+              <a:gd name="connsiteY7" fmla="*/ 0 h 27432"/>
+              <a:gd name="connsiteX8" fmla="*/ 4572000 w 4572000"/>
               <a:gd name="connsiteY8" fmla="*/ 27432 h 27432"/>
-              <a:gd name="connsiteX9" fmla="*/ 1185062 w 3291840"/>
+              <a:gd name="connsiteX9" fmla="*/ 3918857 w 4572000"/>
               <a:gd name="connsiteY9" fmla="*/ 27432 h 27432"/>
-              <a:gd name="connsiteX10" fmla="*/ 0 w 3291840"/>
+              <a:gd name="connsiteX10" fmla="*/ 3357154 w 4572000"/>
               <a:gd name="connsiteY10" fmla="*/ 27432 h 27432"/>
-              <a:gd name="connsiteX11" fmla="*/ 0 w 3291840"/>
-              <a:gd name="connsiteY11" fmla="*/ 0 h 27432"/>
+              <a:gd name="connsiteX11" fmla="*/ 2612571 w 4572000"/>
+              <a:gd name="connsiteY11" fmla="*/ 27432 h 27432"/>
+              <a:gd name="connsiteX12" fmla="*/ 2005149 w 4572000"/>
+              <a:gd name="connsiteY12" fmla="*/ 27432 h 27432"/>
+              <a:gd name="connsiteX13" fmla="*/ 1489166 w 4572000"/>
+              <a:gd name="connsiteY13" fmla="*/ 27432 h 27432"/>
+              <a:gd name="connsiteX14" fmla="*/ 790303 w 4572000"/>
+              <a:gd name="connsiteY14" fmla="*/ 27432 h 27432"/>
+              <a:gd name="connsiteX15" fmla="*/ 0 w 4572000"/>
+              <a:gd name="connsiteY15" fmla="*/ 27432 h 27432"/>
+              <a:gd name="connsiteX16" fmla="*/ 0 w 4572000"/>
+              <a:gd name="connsiteY16" fmla="*/ 0 h 27432"/>
             </a:gdLst>
             <a:ahLst/>
             <a:cxnLst>
@@ -11832,132 +12045,192 @@
               <a:cxn ang="0">
                 <a:pos x="connsiteX11" y="connsiteY11"/>
               </a:cxn>
+              <a:cxn ang="0">
+                <a:pos x="connsiteX12" y="connsiteY12"/>
+              </a:cxn>
+              <a:cxn ang="0">
+                <a:pos x="connsiteX13" y="connsiteY13"/>
+              </a:cxn>
+              <a:cxn ang="0">
+                <a:pos x="connsiteX14" y="connsiteY14"/>
+              </a:cxn>
+              <a:cxn ang="0">
+                <a:pos x="connsiteX15" y="connsiteY15"/>
+              </a:cxn>
+              <a:cxn ang="0">
+                <a:pos x="connsiteX16" y="connsiteY16"/>
+              </a:cxn>
             </a:cxnLst>
             <a:rect l="l" t="t" r="r" b="b"/>
             <a:pathLst>
-              <a:path w="3291840" h="27432" fill="none" extrusionOk="0">
+              <a:path w="4572000" h="27432" fill="none" extrusionOk="0">
                 <a:moveTo>
                   <a:pt x="0" y="0"/>
                 </a:moveTo>
                 <a:cubicBezTo>
-                  <a:pt x="173613" y="5552"/>
-                  <a:pt x="489242" y="1770"/>
-                  <a:pt x="625450" y="0"/>
-                </a:cubicBezTo>
-                <a:cubicBezTo>
-                  <a:pt x="761658" y="-1770"/>
-                  <a:pt x="1015131" y="32079"/>
-                  <a:pt x="1283818" y="0"/>
-                </a:cubicBezTo>
-                <a:cubicBezTo>
-                  <a:pt x="1552505" y="-32079"/>
-                  <a:pt x="1752773" y="10771"/>
-                  <a:pt x="1975104" y="0"/>
-                </a:cubicBezTo>
-                <a:cubicBezTo>
-                  <a:pt x="2197435" y="-10771"/>
-                  <a:pt x="2433070" y="21341"/>
-                  <a:pt x="2666390" y="0"/>
-                </a:cubicBezTo>
-                <a:cubicBezTo>
-                  <a:pt x="2899710" y="-21341"/>
-                  <a:pt x="3028437" y="16612"/>
-                  <a:pt x="3291840" y="0"/>
-                </a:cubicBezTo>
-                <a:cubicBezTo>
-                  <a:pt x="3290674" y="7395"/>
-                  <a:pt x="3291885" y="21864"/>
-                  <a:pt x="3291840" y="27432"/>
-                </a:cubicBezTo>
-                <a:cubicBezTo>
-                  <a:pt x="3043276" y="47012"/>
-                  <a:pt x="2921041" y="-3764"/>
-                  <a:pt x="2567635" y="27432"/>
-                </a:cubicBezTo>
-                <a:cubicBezTo>
-                  <a:pt x="2214230" y="58628"/>
-                  <a:pt x="2189623" y="-3875"/>
-                  <a:pt x="1843430" y="27432"/>
-                </a:cubicBezTo>
-                <a:cubicBezTo>
-                  <a:pt x="1497237" y="58739"/>
-                  <a:pt x="1492584" y="38324"/>
-                  <a:pt x="1185062" y="27432"/>
-                </a:cubicBezTo>
-                <a:cubicBezTo>
-                  <a:pt x="877540" y="16540"/>
-                  <a:pt x="313238" y="55587"/>
+                  <a:pt x="150397" y="-23421"/>
+                  <a:pt x="474161" y="9174"/>
+                  <a:pt x="607423" y="0"/>
+                </a:cubicBezTo>
+                <a:cubicBezTo>
+                  <a:pt x="740685" y="-9174"/>
+                  <a:pt x="868821" y="-4258"/>
+                  <a:pt x="1123406" y="0"/>
+                </a:cubicBezTo>
+                <a:cubicBezTo>
+                  <a:pt x="1377991" y="4258"/>
+                  <a:pt x="1567664" y="-12410"/>
+                  <a:pt x="1685109" y="0"/>
+                </a:cubicBezTo>
+                <a:cubicBezTo>
+                  <a:pt x="1802554" y="12410"/>
+                  <a:pt x="2193086" y="-14353"/>
+                  <a:pt x="2383971" y="0"/>
+                </a:cubicBezTo>
+                <a:cubicBezTo>
+                  <a:pt x="2574856" y="14353"/>
+                  <a:pt x="2697477" y="-26142"/>
+                  <a:pt x="2991394" y="0"/>
+                </a:cubicBezTo>
+                <a:cubicBezTo>
+                  <a:pt x="3285311" y="26142"/>
+                  <a:pt x="3423667" y="26544"/>
+                  <a:pt x="3553097" y="0"/>
+                </a:cubicBezTo>
+                <a:cubicBezTo>
+                  <a:pt x="3682527" y="-26544"/>
+                  <a:pt x="4344147" y="50350"/>
+                  <a:pt x="4572000" y="0"/>
+                </a:cubicBezTo>
+                <a:cubicBezTo>
+                  <a:pt x="4571027" y="8304"/>
+                  <a:pt x="4571522" y="21512"/>
+                  <a:pt x="4572000" y="27432"/>
+                </a:cubicBezTo>
+                <a:cubicBezTo>
+                  <a:pt x="4438349" y="5490"/>
+                  <a:pt x="4090129" y="31231"/>
+                  <a:pt x="3918857" y="27432"/>
+                </a:cubicBezTo>
+                <a:cubicBezTo>
+                  <a:pt x="3747585" y="23633"/>
+                  <a:pt x="3498826" y="6883"/>
+                  <a:pt x="3357154" y="27432"/>
+                </a:cubicBezTo>
+                <a:cubicBezTo>
+                  <a:pt x="3215482" y="47981"/>
+                  <a:pt x="2784289" y="56849"/>
+                  <a:pt x="2612571" y="27432"/>
+                </a:cubicBezTo>
+                <a:cubicBezTo>
+                  <a:pt x="2440853" y="-1985"/>
+                  <a:pt x="2261292" y="25951"/>
+                  <a:pt x="2005149" y="27432"/>
+                </a:cubicBezTo>
+                <a:cubicBezTo>
+                  <a:pt x="1749006" y="28913"/>
+                  <a:pt x="1700078" y="34342"/>
+                  <a:pt x="1489166" y="27432"/>
+                </a:cubicBezTo>
+                <a:cubicBezTo>
+                  <a:pt x="1278254" y="20522"/>
+                  <a:pt x="1077188" y="56916"/>
+                  <a:pt x="790303" y="27432"/>
+                </a:cubicBezTo>
+                <a:cubicBezTo>
+                  <a:pt x="503418" y="-2052"/>
+                  <a:pt x="359168" y="57044"/>
                   <a:pt x="0" y="27432"/>
                 </a:cubicBezTo>
                 <a:cubicBezTo>
-                  <a:pt x="-503" y="20663"/>
-                  <a:pt x="1168" y="5855"/>
+                  <a:pt x="-1048" y="14992"/>
+                  <a:pt x="-1120" y="7447"/>
                   <a:pt x="0" y="0"/>
                 </a:cubicBezTo>
                 <a:close/>
               </a:path>
-              <a:path w="3291840" h="27432" stroke="0" extrusionOk="0">
+              <a:path w="4572000" h="27432" stroke="0" extrusionOk="0">
                 <a:moveTo>
                   <a:pt x="0" y="0"/>
                 </a:moveTo>
                 <a:cubicBezTo>
-                  <a:pt x="281971" y="23935"/>
-                  <a:pt x="485873" y="-14021"/>
-                  <a:pt x="625450" y="0"/>
-                </a:cubicBezTo>
-                <a:cubicBezTo>
-                  <a:pt x="765027" y="14021"/>
-                  <a:pt x="1048900" y="27914"/>
-                  <a:pt x="1185062" y="0"/>
-                </a:cubicBezTo>
-                <a:cubicBezTo>
-                  <a:pt x="1321224" y="-27914"/>
-                  <a:pt x="1648252" y="-3988"/>
-                  <a:pt x="1909267" y="0"/>
-                </a:cubicBezTo>
-                <a:cubicBezTo>
-                  <a:pt x="2170282" y="3988"/>
-                  <a:pt x="2301957" y="25891"/>
-                  <a:pt x="2534717" y="0"/>
-                </a:cubicBezTo>
-                <a:cubicBezTo>
-                  <a:pt x="2767477" y="-25891"/>
-                  <a:pt x="3078800" y="21500"/>
-                  <a:pt x="3291840" y="0"/>
-                </a:cubicBezTo>
-                <a:cubicBezTo>
-                  <a:pt x="3292033" y="12649"/>
-                  <a:pt x="3290852" y="17989"/>
-                  <a:pt x="3291840" y="27432"/>
-                </a:cubicBezTo>
-                <a:cubicBezTo>
-                  <a:pt x="3120474" y="24858"/>
-                  <a:pt x="2816568" y="13777"/>
-                  <a:pt x="2633472" y="27432"/>
-                </a:cubicBezTo>
-                <a:cubicBezTo>
-                  <a:pt x="2450376" y="41087"/>
-                  <a:pt x="2160769" y="46494"/>
-                  <a:pt x="1909267" y="27432"/>
-                </a:cubicBezTo>
-                <a:cubicBezTo>
-                  <a:pt x="1657765" y="8370"/>
-                  <a:pt x="1623992" y="18792"/>
-                  <a:pt x="1349654" y="27432"/>
-                </a:cubicBezTo>
-                <a:cubicBezTo>
-                  <a:pt x="1075316" y="36072"/>
-                  <a:pt x="833426" y="43325"/>
-                  <a:pt x="691286" y="27432"/>
-                </a:cubicBezTo>
-                <a:cubicBezTo>
-                  <a:pt x="549146" y="11539"/>
-                  <a:pt x="342011" y="33345"/>
+                  <a:pt x="155698" y="6780"/>
+                  <a:pt x="465972" y="13197"/>
+                  <a:pt x="607423" y="0"/>
+                </a:cubicBezTo>
+                <a:cubicBezTo>
+                  <a:pt x="748874" y="-13197"/>
+                  <a:pt x="1014133" y="22994"/>
+                  <a:pt x="1123406" y="0"/>
+                </a:cubicBezTo>
+                <a:cubicBezTo>
+                  <a:pt x="1232679" y="-22994"/>
+                  <a:pt x="1639431" y="-2997"/>
+                  <a:pt x="1867989" y="0"/>
+                </a:cubicBezTo>
+                <a:cubicBezTo>
+                  <a:pt x="2096547" y="2997"/>
+                  <a:pt x="2265668" y="29557"/>
+                  <a:pt x="2475411" y="0"/>
+                </a:cubicBezTo>
+                <a:cubicBezTo>
+                  <a:pt x="2685154" y="-29557"/>
+                  <a:pt x="2951491" y="73"/>
+                  <a:pt x="3082834" y="0"/>
+                </a:cubicBezTo>
+                <a:cubicBezTo>
+                  <a:pt x="3214177" y="-73"/>
+                  <a:pt x="3641000" y="-33478"/>
+                  <a:pt x="3827417" y="0"/>
+                </a:cubicBezTo>
+                <a:cubicBezTo>
+                  <a:pt x="4013834" y="33478"/>
+                  <a:pt x="4345917" y="14255"/>
+                  <a:pt x="4572000" y="0"/>
+                </a:cubicBezTo>
+                <a:cubicBezTo>
+                  <a:pt x="4572485" y="9333"/>
+                  <a:pt x="4573278" y="19699"/>
+                  <a:pt x="4572000" y="27432"/>
+                </a:cubicBezTo>
+                <a:cubicBezTo>
+                  <a:pt x="4318030" y="43025"/>
+                  <a:pt x="4161104" y="34314"/>
+                  <a:pt x="4010297" y="27432"/>
+                </a:cubicBezTo>
+                <a:cubicBezTo>
+                  <a:pt x="3859490" y="20550"/>
+                  <a:pt x="3592529" y="6613"/>
+                  <a:pt x="3357154" y="27432"/>
+                </a:cubicBezTo>
+                <a:cubicBezTo>
+                  <a:pt x="3121779" y="48251"/>
+                  <a:pt x="2884285" y="3780"/>
+                  <a:pt x="2704011" y="27432"/>
+                </a:cubicBezTo>
+                <a:cubicBezTo>
+                  <a:pt x="2523737" y="51084"/>
+                  <a:pt x="2295944" y="32081"/>
+                  <a:pt x="2096589" y="27432"/>
+                </a:cubicBezTo>
+                <a:cubicBezTo>
+                  <a:pt x="1897234" y="22783"/>
+                  <a:pt x="1623782" y="52518"/>
+                  <a:pt x="1352006" y="27432"/>
+                </a:cubicBezTo>
+                <a:cubicBezTo>
+                  <a:pt x="1080230" y="2346"/>
+                  <a:pt x="869959" y="12864"/>
+                  <a:pt x="607423" y="27432"/>
+                </a:cubicBezTo>
+                <a:cubicBezTo>
+                  <a:pt x="344887" y="42000"/>
+                  <a:pt x="188100" y="40051"/>
                   <a:pt x="0" y="27432"/>
                 </a:cubicBezTo>
                 <a:cubicBezTo>
-                  <a:pt x="1300" y="19678"/>
-                  <a:pt x="-86" y="12044"/>
+                  <a:pt x="211" y="18145"/>
+                  <a:pt x="120" y="6480"/>
                   <a:pt x="0" y="0"/>
                 </a:cubicBezTo>
                 <a:close/>
@@ -12011,6 +12284,98 @@
           </a:p>
         </p:txBody>
       </p:sp>
+      <p:pic>
+        <p:nvPicPr>
+          <p:cNvPr id="3" name="Рисунок 2" descr="Изображение выглядит как текст, снимок экрана, Шрифт&#10;&#10;Автоматически созданное описание">
+            <a:extLst>
+              <a:ext uri="{FF2B5EF4-FFF2-40B4-BE49-F238E27FC236}">
+                <a16:creationId xmlns:a16="http://schemas.microsoft.com/office/drawing/2014/main" id="{0A91F49A-026D-5D87-3B0B-29F3E20ADF34}"/>
+              </a:ext>
+            </a:extLst>
+          </p:cNvPr>
+          <p:cNvPicPr>
+            <a:picLocks noChangeAspect="1"/>
+          </p:cNvPicPr>
+          <p:nvPr/>
+        </p:nvPicPr>
+        <p:blipFill>
+          <a:blip r:embed="rId2"/>
+          <a:stretch>
+            <a:fillRect/>
+          </a:stretch>
+        </p:blipFill>
+        <p:spPr>
+          <a:xfrm>
+            <a:off x="506831" y="2324082"/>
+            <a:ext cx="2328901" cy="4082768"/>
+          </a:xfrm>
+          <a:prstGeom prst="rect">
+            <a:avLst/>
+          </a:prstGeom>
+        </p:spPr>
+      </p:pic>
+      <p:pic>
+        <p:nvPicPr>
+          <p:cNvPr id="5" name="Рисунок 4" descr="Изображение выглядит как текст, снимок экрана, программное обеспечение, Мультимедийное программное обеспечение&#10;&#10;Автоматически созданное описание">
+            <a:extLst>
+              <a:ext uri="{FF2B5EF4-FFF2-40B4-BE49-F238E27FC236}">
+                <a16:creationId xmlns:a16="http://schemas.microsoft.com/office/drawing/2014/main" id="{CB4EC174-6BD3-ED82-8E6E-63F8B54B8743}"/>
+              </a:ext>
+            </a:extLst>
+          </p:cNvPr>
+          <p:cNvPicPr>
+            <a:picLocks noChangeAspect="1"/>
+          </p:cNvPicPr>
+          <p:nvPr/>
+        </p:nvPicPr>
+        <p:blipFill>
+          <a:blip r:embed="rId3"/>
+          <a:stretch>
+            <a:fillRect/>
+          </a:stretch>
+        </p:blipFill>
+        <p:spPr>
+          <a:xfrm>
+            <a:off x="3045475" y="2322367"/>
+            <a:ext cx="4463318" cy="3665392"/>
+          </a:xfrm>
+          <a:prstGeom prst="rect">
+            <a:avLst/>
+          </a:prstGeom>
+        </p:spPr>
+      </p:pic>
+      <p:pic>
+        <p:nvPicPr>
+          <p:cNvPr id="8" name="Объект 7" descr="Изображение выглядит как текст, снимок экрана, программное обеспечение, Шрифт&#10;&#10;Автоматически созданное описание">
+            <a:extLst>
+              <a:ext uri="{FF2B5EF4-FFF2-40B4-BE49-F238E27FC236}">
+                <a16:creationId xmlns:a16="http://schemas.microsoft.com/office/drawing/2014/main" id="{9E86CBD0-EE70-3212-41AD-C868FFC8FEA2}"/>
+              </a:ext>
+            </a:extLst>
+          </p:cNvPr>
+          <p:cNvPicPr>
+            <a:picLocks noGrp="1" noChangeAspect="1"/>
+          </p:cNvPicPr>
+          <p:nvPr>
+            <p:ph idx="1"/>
+          </p:nvPr>
+        </p:nvPicPr>
+        <p:blipFill>
+          <a:blip r:embed="rId4"/>
+          <a:stretch>
+            <a:fillRect/>
+          </a:stretch>
+        </p:blipFill>
+        <p:spPr>
+          <a:xfrm>
+            <a:off x="7549805" y="2905227"/>
+            <a:ext cx="4645288" cy="2488299"/>
+          </a:xfrm>
+          <a:prstGeom prst="rect">
+            <a:avLst/>
+          </a:prstGeom>
+        </p:spPr>
+      </p:pic>
     </p:spTree>
     <p:extLst>
       <p:ext uri="{BB962C8B-B14F-4D97-AF65-F5344CB8AC3E}">
@@ -12774,10 +13139,10 @@
       </p:sp>
       <p:pic>
         <p:nvPicPr>
-          <p:cNvPr id="14" name="Рисунок 13" descr="Изображение выглядит как текст, снимок экрана, программное обеспечение&#10;&#10;Автоматически созданное описание">
+          <p:cNvPr id="2" name="Рисунок 1">
             <a:extLst>
               <a:ext uri="{FF2B5EF4-FFF2-40B4-BE49-F238E27FC236}">
-                <a16:creationId xmlns:a16="http://schemas.microsoft.com/office/drawing/2014/main" id="{64094893-3DA8-50B6-75EE-58222718BB6A}"/>
+                <a16:creationId xmlns:a16="http://schemas.microsoft.com/office/drawing/2014/main" id="{99895F32-81D8-3CAD-CC6A-9F93CE50E8B9}"/>
               </a:ext>
             </a:extLst>
           </p:cNvPr>
@@ -12794,8 +13159,8 @@
         </p:blipFill>
         <p:spPr>
           <a:xfrm>
-            <a:off x="6514176" y="2559"/>
-            <a:ext cx="5316513" cy="6852882"/>
+            <a:off x="-1422" y="5473"/>
+            <a:ext cx="4233649" cy="6847053"/>
           </a:xfrm>
           <a:prstGeom prst="rect">
             <a:avLst/>
@@ -12804,10 +13169,10 @@
       </p:pic>
       <p:pic>
         <p:nvPicPr>
-          <p:cNvPr id="3" name="Рисунок 2" descr="Изображение выглядит как текст, снимок экрана, программное обеспечение&#10;&#10;Автоматически созданное описание">
+          <p:cNvPr id="4" name="Рисунок 3">
             <a:extLst>
               <a:ext uri="{FF2B5EF4-FFF2-40B4-BE49-F238E27FC236}">
-                <a16:creationId xmlns:a16="http://schemas.microsoft.com/office/drawing/2014/main" id="{607FD848-D8D5-52B3-E91A-45494849560B}"/>
+                <a16:creationId xmlns:a16="http://schemas.microsoft.com/office/drawing/2014/main" id="{68EDC851-BDC0-4C32-D771-36DD862AFC2B}"/>
               </a:ext>
             </a:extLst>
           </p:cNvPr>
@@ -12824,8 +13189,8 @@
         </p:blipFill>
         <p:spPr>
           <a:xfrm>
-            <a:off x="361097" y="-4051"/>
-            <a:ext cx="4998492" cy="6866103"/>
+            <a:off x="4863010" y="968422"/>
+            <a:ext cx="7219950" cy="4648200"/>
           </a:xfrm>
           <a:prstGeom prst="rect">
             <a:avLst/>
@@ -12836,6 +13201,95 @@
     <p:extLst>
       <p:ext uri="{BB962C8B-B14F-4D97-AF65-F5344CB8AC3E}">
         <p14:creationId xmlns:p14="http://schemas.microsoft.com/office/powerpoint/2010/main" val="3798763402"/>
+      </p:ext>
+    </p:extLst>
+  </p:cSld>
+  <p:clrMapOvr>
+    <a:masterClrMapping/>
+  </p:clrMapOvr>
+</p:sld>
+</file>
+
+<file path=ppt/slides/slide9.xml><?xml version="1.0" encoding="utf-8"?>
+<p:sld xmlns:a="http://schemas.openxmlformats.org/drawingml/2006/main" xmlns:r="http://schemas.openxmlformats.org/officeDocument/2006/relationships" xmlns:p="http://schemas.openxmlformats.org/presentationml/2006/main">
+  <p:cSld>
+    <p:spTree>
+      <p:nvGrpSpPr>
+        <p:cNvPr id="1" name=""/>
+        <p:cNvGrpSpPr/>
+        <p:nvPr/>
+      </p:nvGrpSpPr>
+      <p:grpSpPr>
+        <a:xfrm>
+          <a:off x="0" y="0"/>
+          <a:ext cx="0" cy="0"/>
+          <a:chOff x="0" y="0"/>
+          <a:chExt cx="0" cy="0"/>
+        </a:xfrm>
+      </p:grpSpPr>
+      <p:pic>
+        <p:nvPicPr>
+          <p:cNvPr id="7" name="Объект 6" descr="Изображение выглядит как текст, снимок экрана, программное обеспечение">
+            <a:extLst>
+              <a:ext uri="{FF2B5EF4-FFF2-40B4-BE49-F238E27FC236}">
+                <a16:creationId xmlns:a16="http://schemas.microsoft.com/office/drawing/2014/main" id="{4E0C4497-5D64-4F86-604F-465D603C50E5}"/>
+              </a:ext>
+            </a:extLst>
+          </p:cNvPr>
+          <p:cNvPicPr>
+            <a:picLocks noGrp="1" noChangeAspect="1"/>
+          </p:cNvPicPr>
+          <p:nvPr>
+            <p:ph idx="1"/>
+          </p:nvPr>
+        </p:nvPicPr>
+        <p:blipFill>
+          <a:blip r:embed="rId2"/>
+          <a:stretch>
+            <a:fillRect/>
+          </a:stretch>
+        </p:blipFill>
+        <p:spPr>
+          <a:xfrm>
+            <a:off x="-18" y="462248"/>
+            <a:ext cx="5152065" cy="5628110"/>
+          </a:xfrm>
+        </p:spPr>
+      </p:pic>
+      <p:pic>
+        <p:nvPicPr>
+          <p:cNvPr id="3" name="Рисунок 2" descr="Изображение выглядит как текст, снимок экрана, программное обеспечение&#10;&#10;Автоматически созданное описание">
+            <a:extLst>
+              <a:ext uri="{FF2B5EF4-FFF2-40B4-BE49-F238E27FC236}">
+                <a16:creationId xmlns:a16="http://schemas.microsoft.com/office/drawing/2014/main" id="{A6418491-B5E9-EF92-CE03-6EC1860BE519}"/>
+              </a:ext>
+            </a:extLst>
+          </p:cNvPr>
+          <p:cNvPicPr>
+            <a:picLocks noChangeAspect="1"/>
+          </p:cNvPicPr>
+          <p:nvPr/>
+        </p:nvPicPr>
+        <p:blipFill>
+          <a:blip r:embed="rId3"/>
+          <a:stretch>
+            <a:fillRect/>
+          </a:stretch>
+        </p:blipFill>
+        <p:spPr>
+          <a:xfrm>
+            <a:off x="5149969" y="1516819"/>
+            <a:ext cx="6873496" cy="3812986"/>
+          </a:xfrm>
+          <a:prstGeom prst="rect">
+            <a:avLst/>
+          </a:prstGeom>
+        </p:spPr>
+      </p:pic>
+    </p:spTree>
+    <p:extLst>
+      <p:ext uri="{BB962C8B-B14F-4D97-AF65-F5344CB8AC3E}">
+        <p14:creationId xmlns:p14="http://schemas.microsoft.com/office/powerpoint/2010/main" val="3380644133"/>
       </p:ext>
     </p:extLst>
   </p:cSld>
